--- a/Matches/EveryDay Carry Championship/EveryDay Carry Championship - February 2022/Action Bay, B - It's a Matter of Perspective.pptx
+++ b/Matches/EveryDay Carry Championship/EveryDay Carry Championship - February 2022/Action Bay, B - It's a Matter of Perspective.pptx
@@ -1156,7 +1156,7 @@
               <a:pPr>
                 <a:defRPr/>
               </a:pPr>
-              <a:t>04.02.2022</a:t>
+              <a:t>05.02.2022</a:t>
             </a:fld>
             <a:endParaRPr lang="en-US"/>
           </a:p>
@@ -5052,14 +5052,14 @@
           <p:nvPr>
             <p:extLst>
               <p:ext uri="{D42A27DB-BD31-4B8C-83A1-F6EECF244321}">
-                <p14:modId xmlns:p14="http://schemas.microsoft.com/office/powerpoint/2010/main" val="2618487239"/>
+                <p14:modId xmlns:p14="http://schemas.microsoft.com/office/powerpoint/2010/main" val="3654546133"/>
               </p:ext>
             </p:extLst>
           </p:nvPr>
         </p:nvGraphicFramePr>
         <p:xfrm>
           <a:off x="152400" y="152400"/>
-          <a:ext cx="7010400" cy="3544218"/>
+          <a:ext cx="7010400" cy="3376578"/>
         </p:xfrm>
         <a:graphic>
           <a:graphicData uri="http://schemas.openxmlformats.org/drawingml/2006/table">
@@ -5202,7 +5202,7 @@
                         <a:t>Interlake Sporting Association</a:t>
                       </a:r>
                       <a:br>
-                        <a:rPr kumimoji="0" lang="en-US" sz="1200" b="1" i="0" u="none" strike="noStrike" cap="none" normalizeH="0" baseline="0">
+                        <a:rPr kumimoji="0" lang="en-US" sz="1200" b="1" i="0" u="none" strike="noStrike" cap="none" normalizeH="0" baseline="0" dirty="0">
                           <a:ln>
                             <a:noFill/>
                           </a:ln>
@@ -5215,7 +5215,7 @@
                         </a:rPr>
                       </a:br>
                       <a:r>
-                        <a:rPr kumimoji="0" lang="en-US" sz="1200" b="1" i="0" u="none" strike="noStrike" cap="none" normalizeH="0" baseline="0">
+                        <a:rPr kumimoji="0" lang="en-US" sz="1200" b="1" i="0" u="none" strike="noStrike" cap="none" normalizeH="0" baseline="0" dirty="0">
                           <a:ln>
                             <a:noFill/>
                           </a:ln>
@@ -5484,7 +5484,7 @@
                           <a:ea typeface="ＭＳ Ｐゴシック" pitchFamily="-112" charset="-128"/>
                           <a:cs typeface="Times New Roman" pitchFamily="-112" charset="0"/>
                         </a:rPr>
-                        <a:t>Standing with hands touching marks, gun loaded and holstered, wrists below belt. PCC Loaded, safety on. Stock touching belt with muzzle pointing at berm and touching wall under either X.</a:t>
+                        <a:t>Standing barrel with wrists below belt. Firearm loaded and placed on barrel with muzzle pointed downrange and safeties on</a:t>
                       </a:r>
                       <a:endParaRPr kumimoji="0" lang="en-US" sz="1100" b="1" i="0" u="none" strike="noStrike" cap="none" normalizeH="0" baseline="0" dirty="0">
                         <a:ln>
@@ -5674,7 +5674,7 @@
                           <a:ea typeface="ＭＳ Ｐゴシック" pitchFamily="-112" charset="-128"/>
                           <a:cs typeface="Times New Roman" pitchFamily="-112" charset="0"/>
                         </a:rPr>
-                        <a:t>:        9</a:t>
+                        <a:t>:        4</a:t>
                       </a:r>
                       <a:endParaRPr kumimoji="0" lang="en-US" sz="1100" b="1" i="0" u="none" strike="noStrike" cap="none" normalizeH="0" baseline="0" dirty="0">
                         <a:ln>
